--- a/web-fundamentals/sass/SASS.pptx
+++ b/web-fundamentals/sass/SASS.pptx
@@ -7,8 +7,9 @@
   <p:sldIdLst>
     <p:sldId id="256" r:id="rId2"/>
     <p:sldId id="257" r:id="rId3"/>
-    <p:sldId id="258" r:id="rId4"/>
-    <p:sldId id="259" r:id="rId5"/>
+    <p:sldId id="260" r:id="rId4"/>
+    <p:sldId id="258" r:id="rId5"/>
+    <p:sldId id="259" r:id="rId6"/>
   </p:sldIdLst>
   <p:sldSz cx="12192000" cy="6858000"/>
   <p:notesSz cx="6858000" cy="9144000"/>
@@ -337,7 +338,7 @@
             <a:fld id="{A37D6D71-8B28-4ED6-B932-04B197003D23}" type="datetimeFigureOut">
               <a:rPr lang="en-US" smtClean="0"/>
               <a:pPr algn="r"/>
-              <a:t>7/19/2021</a:t>
+              <a:t>7/21/2021</a:t>
             </a:fld>
             <a:endParaRPr lang="en-US" dirty="0"/>
           </a:p>
@@ -559,7 +560,7 @@
             <a:fld id="{A37D6D71-8B28-4ED6-B932-04B197003D23}" type="datetimeFigureOut">
               <a:rPr lang="en-US" smtClean="0"/>
               <a:pPr algn="r"/>
-              <a:t>7/19/2021</a:t>
+              <a:t>7/21/2021</a:t>
             </a:fld>
             <a:endParaRPr lang="en-US" dirty="0"/>
           </a:p>
@@ -842,7 +843,7 @@
             <a:fld id="{A37D6D71-8B28-4ED6-B932-04B197003D23}" type="datetimeFigureOut">
               <a:rPr lang="en-US" smtClean="0"/>
               <a:pPr algn="r"/>
-              <a:t>7/19/2021</a:t>
+              <a:t>7/21/2021</a:t>
             </a:fld>
             <a:endParaRPr lang="en-US" dirty="0"/>
           </a:p>
@@ -1056,7 +1057,7 @@
             <a:fld id="{A37D6D71-8B28-4ED6-B932-04B197003D23}" type="datetimeFigureOut">
               <a:rPr lang="en-US" smtClean="0"/>
               <a:pPr algn="r"/>
-              <a:t>7/19/2021</a:t>
+              <a:t>7/21/2021</a:t>
             </a:fld>
             <a:endParaRPr lang="en-US" dirty="0"/>
           </a:p>
@@ -1394,7 +1395,7 @@
             <a:fld id="{A37D6D71-8B28-4ED6-B932-04B197003D23}" type="datetimeFigureOut">
               <a:rPr lang="en-US" smtClean="0"/>
               <a:pPr algn="r"/>
-              <a:t>7/19/2021</a:t>
+              <a:t>7/21/2021</a:t>
             </a:fld>
             <a:endParaRPr lang="en-US" dirty="0"/>
           </a:p>
@@ -1669,7 +1670,7 @@
             <a:fld id="{A37D6D71-8B28-4ED6-B932-04B197003D23}" type="datetimeFigureOut">
               <a:rPr lang="en-US" smtClean="0"/>
               <a:pPr algn="r"/>
-              <a:t>7/19/2021</a:t>
+              <a:t>7/21/2021</a:t>
             </a:fld>
             <a:endParaRPr lang="en-US" dirty="0"/>
           </a:p>
@@ -2058,7 +2059,7 @@
             <a:fld id="{A37D6D71-8B28-4ED6-B932-04B197003D23}" type="datetimeFigureOut">
               <a:rPr lang="en-US" smtClean="0"/>
               <a:pPr algn="r"/>
-              <a:t>7/19/2021</a:t>
+              <a:t>7/21/2021</a:t>
             </a:fld>
             <a:endParaRPr lang="en-US" dirty="0"/>
           </a:p>
@@ -2235,7 +2236,7 @@
             <a:fld id="{A37D6D71-8B28-4ED6-B932-04B197003D23}" type="datetimeFigureOut">
               <a:rPr lang="en-US" smtClean="0"/>
               <a:pPr algn="r"/>
-              <a:t>7/19/2021</a:t>
+              <a:t>7/21/2021</a:t>
             </a:fld>
             <a:endParaRPr lang="en-US" dirty="0"/>
           </a:p>
@@ -2356,7 +2357,7 @@
             <a:fld id="{A37D6D71-8B28-4ED6-B932-04B197003D23}" type="datetimeFigureOut">
               <a:rPr lang="en-US" smtClean="0"/>
               <a:pPr algn="r"/>
-              <a:t>7/19/2021</a:t>
+              <a:t>7/21/2021</a:t>
             </a:fld>
             <a:endParaRPr lang="en-US" dirty="0"/>
           </a:p>
@@ -2641,7 +2642,7 @@
             <a:fld id="{A37D6D71-8B28-4ED6-B932-04B197003D23}" type="datetimeFigureOut">
               <a:rPr lang="en-US" smtClean="0"/>
               <a:pPr algn="r"/>
-              <a:t>7/19/2021</a:t>
+              <a:t>7/21/2021</a:t>
             </a:fld>
             <a:endParaRPr lang="en-US" dirty="0"/>
           </a:p>
@@ -2942,7 +2943,7 @@
             <a:fld id="{A37D6D71-8B28-4ED6-B932-04B197003D23}" type="datetimeFigureOut">
               <a:rPr lang="en-US" smtClean="0"/>
               <a:pPr algn="r"/>
-              <a:t>7/19/2021</a:t>
+              <a:t>7/21/2021</a:t>
             </a:fld>
             <a:endParaRPr lang="en-US" dirty="0"/>
           </a:p>
@@ -3290,7 +3291,7 @@
             <a:fld id="{A37D6D71-8B28-4ED6-B932-04B197003D23}" type="datetimeFigureOut">
               <a:rPr lang="en-US" smtClean="0"/>
               <a:pPr algn="r"/>
-              <a:t>7/19/2021</a:t>
+              <a:t>7/21/2021</a:t>
             </a:fld>
             <a:endParaRPr lang="en-US" spc="50" dirty="0"/>
           </a:p>
@@ -4223,7 +4224,7 @@
           <a:p>
             <a:r>
               <a:rPr lang="en-US" dirty="0"/>
-              <a:t>Creation of SASS</a:t>
+              <a:t>Goal</a:t>
             </a:r>
           </a:p>
         </p:txBody>
@@ -4255,7 +4256,7 @@
             </a:pPr>
             <a:r>
               <a:rPr lang="en-US" dirty="0"/>
-              <a:t>Initially designed by Hampton Catlin and developed by Natalie Weizenbaum</a:t>
+              <a:t>Introduce SASS and its features and benefits that it brings to CSS</a:t>
             </a:r>
           </a:p>
           <a:p>
@@ -4265,18 +4266,13 @@
             </a:pPr>
             <a:r>
               <a:rPr lang="en-US" dirty="0"/>
-              <a:t>First appeared in 2006</a:t>
-            </a:r>
-          </a:p>
-          <a:p>
-            <a:pPr marL="457200" indent="-457200">
-              <a:buFont typeface="Arial" panose="020B0604020202020204" pitchFamily="34" charset="0"/>
-              <a:buChar char="•"/>
-            </a:pPr>
-            <a:r>
-              <a:rPr lang="en-US" dirty="0"/>
-              <a:t>A preprocessor scripting language that is interpreted or compiled into CSS</a:t>
-            </a:r>
+              <a:t>Discuss how it is compiled to CSS for the browser </a:t>
+            </a:r>
+            <a:r>
+              <a:rPr lang="en-US"/>
+              <a:t>to understand</a:t>
+            </a:r>
+            <a:endParaRPr lang="en-US" dirty="0"/>
           </a:p>
         </p:txBody>
       </p:sp>
@@ -4294,6 +4290,116 @@
 </file>
 
 <file path=ppt/slides/slide3.xml><?xml version="1.0" encoding="utf-8"?>
+<p:sld xmlns:a="http://schemas.openxmlformats.org/drawingml/2006/main" xmlns:r="http://schemas.openxmlformats.org/officeDocument/2006/relationships" xmlns:p="http://schemas.openxmlformats.org/presentationml/2006/main">
+  <p:cSld>
+    <p:spTree>
+      <p:nvGrpSpPr>
+        <p:cNvPr id="1" name=""/>
+        <p:cNvGrpSpPr/>
+        <p:nvPr/>
+      </p:nvGrpSpPr>
+      <p:grpSpPr>
+        <a:xfrm>
+          <a:off x="0" y="0"/>
+          <a:ext cx="0" cy="0"/>
+          <a:chOff x="0" y="0"/>
+          <a:chExt cx="0" cy="0"/>
+        </a:xfrm>
+      </p:grpSpPr>
+      <p:sp>
+        <p:nvSpPr>
+          <p:cNvPr id="2" name="Title 1">
+            <a:extLst>
+              <a:ext uri="{FF2B5EF4-FFF2-40B4-BE49-F238E27FC236}">
+                <a16:creationId xmlns:a16="http://schemas.microsoft.com/office/drawing/2014/main" id="{1AAA912E-0B65-4468-973A-E8B66F85A70D}"/>
+              </a:ext>
+            </a:extLst>
+          </p:cNvPr>
+          <p:cNvSpPr>
+            <a:spLocks noGrp="1"/>
+          </p:cNvSpPr>
+          <p:nvPr>
+            <p:ph type="title"/>
+          </p:nvPr>
+        </p:nvSpPr>
+        <p:spPr/>
+        <p:txBody>
+          <a:bodyPr/>
+          <a:lstStyle/>
+          <a:p>
+            <a:r>
+              <a:rPr lang="en-US" dirty="0"/>
+              <a:t>Creation of SASS</a:t>
+            </a:r>
+          </a:p>
+        </p:txBody>
+      </p:sp>
+      <p:sp>
+        <p:nvSpPr>
+          <p:cNvPr id="3" name="Content Placeholder 2">
+            <a:extLst>
+              <a:ext uri="{FF2B5EF4-FFF2-40B4-BE49-F238E27FC236}">
+                <a16:creationId xmlns:a16="http://schemas.microsoft.com/office/drawing/2014/main" id="{B2857673-E02D-4132-9857-5DB12A5F3765}"/>
+              </a:ext>
+            </a:extLst>
+          </p:cNvPr>
+          <p:cNvSpPr>
+            <a:spLocks noGrp="1"/>
+          </p:cNvSpPr>
+          <p:nvPr>
+            <p:ph idx="1"/>
+          </p:nvPr>
+        </p:nvSpPr>
+        <p:spPr/>
+        <p:txBody>
+          <a:bodyPr/>
+          <a:lstStyle/>
+          <a:p>
+            <a:pPr marL="457200" indent="-457200">
+              <a:buFont typeface="Arial" panose="020B0604020202020204" pitchFamily="34" charset="0"/>
+              <a:buChar char="•"/>
+            </a:pPr>
+            <a:r>
+              <a:rPr lang="en-US" dirty="0"/>
+              <a:t>Initially designed by Hampton Catlin and developed by Natalie Weizenbaum</a:t>
+            </a:r>
+          </a:p>
+          <a:p>
+            <a:pPr marL="457200" indent="-457200">
+              <a:buFont typeface="Arial" panose="020B0604020202020204" pitchFamily="34" charset="0"/>
+              <a:buChar char="•"/>
+            </a:pPr>
+            <a:r>
+              <a:rPr lang="en-US" dirty="0"/>
+              <a:t>First appeared in 2006</a:t>
+            </a:r>
+          </a:p>
+          <a:p>
+            <a:pPr marL="457200" indent="-457200">
+              <a:buFont typeface="Arial" panose="020B0604020202020204" pitchFamily="34" charset="0"/>
+              <a:buChar char="•"/>
+            </a:pPr>
+            <a:r>
+              <a:rPr lang="en-US" dirty="0"/>
+              <a:t>A preprocessor scripting language that is interpreted or compiled into CSS</a:t>
+            </a:r>
+          </a:p>
+        </p:txBody>
+      </p:sp>
+    </p:spTree>
+    <p:extLst>
+      <p:ext uri="{BB962C8B-B14F-4D97-AF65-F5344CB8AC3E}">
+        <p14:creationId xmlns:p14="http://schemas.microsoft.com/office/powerpoint/2010/main" val="979621303"/>
+      </p:ext>
+    </p:extLst>
+  </p:cSld>
+  <p:clrMapOvr>
+    <a:masterClrMapping/>
+  </p:clrMapOvr>
+</p:sld>
+</file>
+
+<file path=ppt/slides/slide4.xml><?xml version="1.0" encoding="utf-8"?>
 <p:sld xmlns:a="http://schemas.openxmlformats.org/drawingml/2006/main" xmlns:r="http://schemas.openxmlformats.org/officeDocument/2006/relationships" xmlns:p="http://schemas.openxmlformats.org/presentationml/2006/main">
   <p:cSld>
     <p:spTree>
@@ -4844,7 +4950,7 @@
 </p:sld>
 </file>
 
-<file path=ppt/slides/slide4.xml><?xml version="1.0" encoding="utf-8"?>
+<file path=ppt/slides/slide5.xml><?xml version="1.0" encoding="utf-8"?>
 <p:sld xmlns:a="http://schemas.openxmlformats.org/drawingml/2006/main" xmlns:r="http://schemas.openxmlformats.org/officeDocument/2006/relationships" xmlns:p="http://schemas.openxmlformats.org/presentationml/2006/main">
   <p:cSld>
     <p:spTree>
